--- a/learn-bizapps-pr/flow/open-source-connectors/media-layered/process-diagram.pptx
+++ b/learn-bizapps-pr/flow/open-source-connectors/media-layered/process-diagram.pptx
@@ -2,10 +2,10 @@
 <file path=ppt/presentation.xml><?xml version="1.0" encoding="utf-8"?>
 <p:presentation xmlns:a="http://schemas.openxmlformats.org/drawingml/2006/main" xmlns:r="http://schemas.openxmlformats.org/officeDocument/2006/relationships" xmlns:p="http://schemas.openxmlformats.org/presentationml/2006/main" saveSubsetFonts="1">
   <p:sldMasterIdLst>
-    <p:sldMasterId id="2147483648" r:id="rId1"/>
+    <p:sldMasterId id="2147483648" r:id="rId4"/>
   </p:sldMasterIdLst>
   <p:sldIdLst>
-    <p:sldId id="256" r:id="rId2"/>
+    <p:sldId id="256" r:id="rId5"/>
   </p:sldIdLst>
   <p:sldSz cx="12192000" cy="6858000"/>
   <p:notesSz cx="6858000" cy="9144000"/>
@@ -104,7 +104,49 @@
       </a:defRPr>
     </a:lvl9pPr>
   </p:defaultTextStyle>
+  <p:extLst>
+    <p:ext uri="{EFAFB233-063F-42B5-8137-9DF3F51BA10A}">
+      <p15:sldGuideLst xmlns:p15="http://schemas.microsoft.com/office/powerpoint/2012/main"/>
+    </p:ext>
+  </p:extLst>
 </p:presentation>
+</file>
+
+<file path=ppt/revisionInfo.xml><?xml version="1.0" encoding="utf-8"?>
+<p1510:revInfo xmlns:a="http://schemas.openxmlformats.org/drawingml/2006/main" xmlns:r="http://schemas.openxmlformats.org/officeDocument/2006/relationships" xmlns:p1510="http://schemas.microsoft.com/office/powerpoint/2015/10/main">
+  <p1510:revLst>
+    <p1510:client id="{2B5AB99F-009B-0000-D58B-04F742E31646}" v="26" dt="2021-03-30T14:08:25.947"/>
+  </p1510:revLst>
+</p1510:revInfo>
+</file>
+
+<file path=ppt/changesInfos/changesInfo1.xml><?xml version="1.0" encoding="utf-8"?>
+<pc:chgInfo xmlns:a="http://schemas.openxmlformats.org/drawingml/2006/main" xmlns:r="http://schemas.openxmlformats.org/officeDocument/2006/relationships" xmlns:ac="http://schemas.microsoft.com/office/drawing/2013/main/command" xmlns:pc="http://schemas.microsoft.com/office/powerpoint/2013/main/command">
+  <pc:docChgLst>
+    <pc:chgData name="Dave Beasley" userId="S::dbeasley@microsoft.com::d8c1eaab-6bc2-4b9c-9434-8bfbb079954e" providerId="AD" clId="Web-{2B5AB99F-009B-0000-D58B-04F742E31646}"/>
+    <pc:docChg chg="modSld">
+      <pc:chgData name="Dave Beasley" userId="S::dbeasley@microsoft.com::d8c1eaab-6bc2-4b9c-9434-8bfbb079954e" providerId="AD" clId="Web-{2B5AB99F-009B-0000-D58B-04F742E31646}" dt="2021-03-30T14:08:25.541" v="24" actId="20577"/>
+      <pc:docMkLst>
+        <pc:docMk/>
+      </pc:docMkLst>
+      <pc:sldChg chg="modSp">
+        <pc:chgData name="Dave Beasley" userId="S::dbeasley@microsoft.com::d8c1eaab-6bc2-4b9c-9434-8bfbb079954e" providerId="AD" clId="Web-{2B5AB99F-009B-0000-D58B-04F742E31646}" dt="2021-03-30T14:08:25.541" v="24" actId="20577"/>
+        <pc:sldMkLst>
+          <pc:docMk/>
+          <pc:sldMk cId="1872312262" sldId="256"/>
+        </pc:sldMkLst>
+        <pc:graphicFrameChg chg="modGraphic">
+          <ac:chgData name="Dave Beasley" userId="S::dbeasley@microsoft.com::d8c1eaab-6bc2-4b9c-9434-8bfbb079954e" providerId="AD" clId="Web-{2B5AB99F-009B-0000-D58B-04F742E31646}" dt="2021-03-30T14:08:25.541" v="24" actId="20577"/>
+          <ac:graphicFrameMkLst>
+            <pc:docMk/>
+            <pc:sldMk cId="1872312262" sldId="256"/>
+            <ac:graphicFrameMk id="4" creationId="{A19FB731-D8B5-4001-9A07-4B5A86BF20A7}"/>
+          </ac:graphicFrameMkLst>
+        </pc:graphicFrameChg>
+      </pc:sldChg>
+    </pc:docChg>
+  </pc:docChgLst>
+</pc:chgInfo>
 </file>
 
 <file path=ppt/diagrams/colors1.xml><?xml version="1.0" encoding="utf-8"?>
@@ -911,10 +953,14 @@
         <a:bodyPr/>
         <a:lstStyle/>
         <a:p>
+          <a:pPr rtl="0"/>
           <a:r>
-            <a:rPr lang="en-US"/>
-            <a:t>Open sourcing</a:t>
+            <a:rPr lang="en-US" dirty="0">
+              <a:latin typeface="Calibri Light" panose="020F0302020204030204"/>
+            </a:rPr>
+            <a:t>Create open source</a:t>
           </a:r>
+          <a:endParaRPr lang="en-US" dirty="0"/>
         </a:p>
       </dgm:t>
     </dgm:pt>
@@ -948,7 +994,7 @@
         <a:lstStyle/>
         <a:p>
           <a:r>
-            <a:rPr lang="en-US"/>
+            <a:rPr lang="en-US" dirty="0"/>
             <a:t>Deployment</a:t>
           </a:r>
         </a:p>
@@ -1020,7 +1066,7 @@
         <a:lstStyle/>
         <a:p>
           <a:r>
-            <a:rPr lang="en-US"/>
+            <a:rPr lang="en-US" dirty="0"/>
             <a:t>Development</a:t>
           </a:r>
         </a:p>
@@ -1056,7 +1102,7 @@
         <a:lstStyle/>
         <a:p>
           <a:r>
-            <a:rPr lang="en-US"/>
+            <a:rPr lang="en-US" dirty="0"/>
             <a:t>Submission</a:t>
           </a:r>
         </a:p>
@@ -1092,7 +1138,7 @@
         <a:lstStyle/>
         <a:p>
           <a:r>
-            <a:rPr lang="en-US"/>
+            <a:rPr lang="en-US" dirty="0"/>
             <a:t>Certification</a:t>
           </a:r>
         </a:p>
@@ -1128,7 +1174,7 @@
         <a:lstStyle/>
         <a:p>
           <a:r>
-            <a:rPr lang="en-US"/>
+            <a:rPr lang="en-US" dirty="0"/>
             <a:t>Testing</a:t>
           </a:r>
         </a:p>
@@ -1529,7 +1575,7 @@
             <a:buNone/>
           </a:pPr>
           <a:r>
-            <a:rPr lang="en-US" sz="1200" kern="1200"/>
+            <a:rPr lang="en-US" sz="1200" kern="1200" dirty="0"/>
             <a:t>Development</a:t>
           </a:r>
         </a:p>
@@ -1632,7 +1678,7 @@
         </a:bodyPr>
         <a:lstStyle/>
         <a:p>
-          <a:pPr marL="0" lvl="0" indent="0" algn="ctr" defTabSz="533400">
+          <a:pPr marL="0" lvl="0" indent="0" algn="ctr" defTabSz="533400" rtl="0">
             <a:lnSpc>
               <a:spcPct val="90000"/>
             </a:lnSpc>
@@ -1645,9 +1691,12 @@
             <a:buNone/>
           </a:pPr>
           <a:r>
-            <a:rPr lang="en-US" sz="1200" kern="1200"/>
-            <a:t>Open sourcing</a:t>
+            <a:rPr lang="en-US" sz="1200" kern="1200" dirty="0">
+              <a:latin typeface="Calibri Light" panose="020F0302020204030204"/>
+            </a:rPr>
+            <a:t>Create open source</a:t>
           </a:r>
+          <a:endParaRPr lang="en-US" sz="1200" kern="1200" dirty="0"/>
         </a:p>
       </dsp:txBody>
       <dsp:txXfrm>
@@ -1761,7 +1810,7 @@
             <a:buNone/>
           </a:pPr>
           <a:r>
-            <a:rPr lang="en-US" sz="1200" kern="1200"/>
+            <a:rPr lang="en-US" sz="1200" kern="1200" dirty="0"/>
             <a:t>Submission</a:t>
           </a:r>
         </a:p>
@@ -1877,7 +1926,7 @@
             <a:buNone/>
           </a:pPr>
           <a:r>
-            <a:rPr lang="en-US" sz="1200" kern="1200"/>
+            <a:rPr lang="en-US" sz="1200" kern="1200" dirty="0"/>
             <a:t>Certification</a:t>
           </a:r>
         </a:p>
@@ -1993,7 +2042,7 @@
             <a:buNone/>
           </a:pPr>
           <a:r>
-            <a:rPr lang="en-US" sz="1200" kern="1200"/>
+            <a:rPr lang="en-US" sz="1200" kern="1200" dirty="0"/>
             <a:t>Testing</a:t>
           </a:r>
         </a:p>
@@ -2109,7 +2158,7 @@
             <a:buNone/>
           </a:pPr>
           <a:r>
-            <a:rPr lang="en-US" sz="1200" kern="1200"/>
+            <a:rPr lang="en-US" sz="1200" kern="1200" dirty="0"/>
             <a:t>Deployment</a:t>
           </a:r>
         </a:p>
@@ -3674,7 +3723,7 @@
           <a:p>
             <a:fld id="{D618B22B-AA0A-41E2-9744-8AACBAA68006}" type="datetimeFigureOut">
               <a:rPr lang="en-US" smtClean="0"/>
-              <a:t>2/26/2021</a:t>
+              <a:t>3/30/2021</a:t>
             </a:fld>
             <a:endParaRPr lang="en-US"/>
           </a:p>
@@ -3872,7 +3921,7 @@
           <a:p>
             <a:fld id="{D618B22B-AA0A-41E2-9744-8AACBAA68006}" type="datetimeFigureOut">
               <a:rPr lang="en-US" smtClean="0"/>
-              <a:t>2/26/2021</a:t>
+              <a:t>3/30/2021</a:t>
             </a:fld>
             <a:endParaRPr lang="en-US"/>
           </a:p>
@@ -4080,7 +4129,7 @@
           <a:p>
             <a:fld id="{D618B22B-AA0A-41E2-9744-8AACBAA68006}" type="datetimeFigureOut">
               <a:rPr lang="en-US" smtClean="0"/>
-              <a:t>2/26/2021</a:t>
+              <a:t>3/30/2021</a:t>
             </a:fld>
             <a:endParaRPr lang="en-US"/>
           </a:p>
@@ -4278,7 +4327,7 @@
           <a:p>
             <a:fld id="{D618B22B-AA0A-41E2-9744-8AACBAA68006}" type="datetimeFigureOut">
               <a:rPr lang="en-US" smtClean="0"/>
-              <a:t>2/26/2021</a:t>
+              <a:t>3/30/2021</a:t>
             </a:fld>
             <a:endParaRPr lang="en-US"/>
           </a:p>
@@ -4553,7 +4602,7 @@
           <a:p>
             <a:fld id="{D618B22B-AA0A-41E2-9744-8AACBAA68006}" type="datetimeFigureOut">
               <a:rPr lang="en-US" smtClean="0"/>
-              <a:t>2/26/2021</a:t>
+              <a:t>3/30/2021</a:t>
             </a:fld>
             <a:endParaRPr lang="en-US"/>
           </a:p>
@@ -4818,7 +4867,7 @@
           <a:p>
             <a:fld id="{D618B22B-AA0A-41E2-9744-8AACBAA68006}" type="datetimeFigureOut">
               <a:rPr lang="en-US" smtClean="0"/>
-              <a:t>2/26/2021</a:t>
+              <a:t>3/30/2021</a:t>
             </a:fld>
             <a:endParaRPr lang="en-US"/>
           </a:p>
@@ -5230,7 +5279,7 @@
           <a:p>
             <a:fld id="{D618B22B-AA0A-41E2-9744-8AACBAA68006}" type="datetimeFigureOut">
               <a:rPr lang="en-US" smtClean="0"/>
-              <a:t>2/26/2021</a:t>
+              <a:t>3/30/2021</a:t>
             </a:fld>
             <a:endParaRPr lang="en-US"/>
           </a:p>
@@ -5371,7 +5420,7 @@
           <a:p>
             <a:fld id="{D618B22B-AA0A-41E2-9744-8AACBAA68006}" type="datetimeFigureOut">
               <a:rPr lang="en-US" smtClean="0"/>
-              <a:t>2/26/2021</a:t>
+              <a:t>3/30/2021</a:t>
             </a:fld>
             <a:endParaRPr lang="en-US"/>
           </a:p>
@@ -5484,7 +5533,7 @@
           <a:p>
             <a:fld id="{D618B22B-AA0A-41E2-9744-8AACBAA68006}" type="datetimeFigureOut">
               <a:rPr lang="en-US" smtClean="0"/>
-              <a:t>2/26/2021</a:t>
+              <a:t>3/30/2021</a:t>
             </a:fld>
             <a:endParaRPr lang="en-US"/>
           </a:p>
@@ -5795,7 +5844,7 @@
           <a:p>
             <a:fld id="{D618B22B-AA0A-41E2-9744-8AACBAA68006}" type="datetimeFigureOut">
               <a:rPr lang="en-US" smtClean="0"/>
-              <a:t>2/26/2021</a:t>
+              <a:t>3/30/2021</a:t>
             </a:fld>
             <a:endParaRPr lang="en-US"/>
           </a:p>
@@ -6083,7 +6132,7 @@
           <a:p>
             <a:fld id="{D618B22B-AA0A-41E2-9744-8AACBAA68006}" type="datetimeFigureOut">
               <a:rPr lang="en-US" smtClean="0"/>
-              <a:t>2/26/2021</a:t>
+              <a:t>3/30/2021</a:t>
             </a:fld>
             <a:endParaRPr lang="en-US"/>
           </a:p>
@@ -6324,7 +6373,7 @@
           <a:p>
             <a:fld id="{D618B22B-AA0A-41E2-9744-8AACBAA68006}" type="datetimeFigureOut">
               <a:rPr lang="en-US" smtClean="0"/>
-              <a:t>2/26/2021</a:t>
+              <a:t>3/30/2021</a:t>
             </a:fld>
             <a:endParaRPr lang="en-US"/>
           </a:p>
@@ -7114,6 +7163,21 @@
 </file>
 
 <file path=customXml/item1.xml><?xml version="1.0" encoding="utf-8"?>
+<p:properties xmlns:p="http://schemas.microsoft.com/office/2006/metadata/properties" xmlns:xsi="http://www.w3.org/2001/XMLSchema-instance" xmlns:pc="http://schemas.microsoft.com/office/infopath/2007/PartnerControls">
+  <documentManagement/>
+</p:properties>
+</file>
+
+<file path=customXml/item2.xml><?xml version="1.0" encoding="utf-8"?>
+<?mso-contentType ?>
+<FormTemplates xmlns="http://schemas.microsoft.com/sharepoint/v3/contenttype/forms">
+  <Display>DocumentLibraryForm</Display>
+  <Edit>DocumentLibraryForm</Edit>
+  <New>DocumentLibraryForm</New>
+</FormTemplates>
+</file>
+
+<file path=customXml/item3.xml><?xml version="1.0" encoding="utf-8"?>
 <ct:contentTypeSchema xmlns:ct="http://schemas.microsoft.com/office/2006/metadata/contentType" xmlns:ma="http://schemas.microsoft.com/office/2006/metadata/properties/metaAttributes" ct:_="" ma:_="" ma:contentTypeName="Document" ma:contentTypeID="0x010100F95A41372650DE41953C4B36EEDA37FD" ma:contentTypeVersion="11" ma:contentTypeDescription="Create a new document." ma:contentTypeScope="" ma:versionID="7087f2f369b811ade368e17e1214a1e3">
   <xsd:schema xmlns:xsd="http://www.w3.org/2001/XMLSchema" xmlns:xs="http://www.w3.org/2001/XMLSchema" xmlns:p="http://schemas.microsoft.com/office/2006/metadata/properties" xmlns:ns2="a0e42997-3b56-464e-aa07-79b775dbbb3b" xmlns:ns3="857ae3dd-055a-4d9a-9773-ae292adad8ba" targetNamespace="http://schemas.microsoft.com/office/2006/metadata/properties" ma:root="true" ma:fieldsID="ca68b5a66039607b84ec95ec2d108c9d" ns2:_="" ns3:_="">
     <xsd:import namespace="a0e42997-3b56-464e-aa07-79b775dbbb3b"/>
@@ -7322,29 +7386,38 @@
 </ct:contentTypeSchema>
 </file>
 
-<file path=customXml/item2.xml><?xml version="1.0" encoding="utf-8"?>
-<?mso-contentType ?>
-<FormTemplates xmlns="http://schemas.microsoft.com/sharepoint/v3/contenttype/forms">
-  <Display>DocumentLibraryForm</Display>
-  <Edit>DocumentLibraryForm</Edit>
-  <New>DocumentLibraryForm</New>
-</FormTemplates>
-</file>
-
-<file path=customXml/item3.xml><?xml version="1.0" encoding="utf-8"?>
-<p:properties xmlns:p="http://schemas.microsoft.com/office/2006/metadata/properties" xmlns:xsi="http://www.w3.org/2001/XMLSchema-instance" xmlns:pc="http://schemas.microsoft.com/office/infopath/2007/PartnerControls">
-  <documentManagement/>
-</p:properties>
-</file>
-
 <file path=customXml/itemProps1.xml><?xml version="1.0" encoding="utf-8"?>
-<ds:datastoreItem xmlns:ds="http://schemas.openxmlformats.org/officeDocument/2006/customXml" ds:itemID="{403F4B77-0DF6-4EE2-BB1A-9FC09E1841C2}"/>
+<ds:datastoreItem xmlns:ds="http://schemas.openxmlformats.org/officeDocument/2006/customXml" ds:itemID="{D6DB4F2C-568C-4A23-A590-E1A9A2AB82B2}">
+  <ds:schemaRefs>
+    <ds:schemaRef ds:uri="http://schemas.microsoft.com/office/2006/metadata/properties"/>
+    <ds:schemaRef ds:uri="http://schemas.microsoft.com/office/infopath/2007/PartnerControls"/>
+  </ds:schemaRefs>
+</ds:datastoreItem>
 </file>
 
 <file path=customXml/itemProps2.xml><?xml version="1.0" encoding="utf-8"?>
-<ds:datastoreItem xmlns:ds="http://schemas.openxmlformats.org/officeDocument/2006/customXml" ds:itemID="{A849C7E4-5407-4206-BCAB-B6AA252C8299}"/>
+<ds:datastoreItem xmlns:ds="http://schemas.openxmlformats.org/officeDocument/2006/customXml" ds:itemID="{A849C7E4-5407-4206-BCAB-B6AA252C8299}">
+  <ds:schemaRefs>
+    <ds:schemaRef ds:uri="http://schemas.microsoft.com/sharepoint/v3/contenttype/forms"/>
+  </ds:schemaRefs>
+</ds:datastoreItem>
 </file>
 
 <file path=customXml/itemProps3.xml><?xml version="1.0" encoding="utf-8"?>
-<ds:datastoreItem xmlns:ds="http://schemas.openxmlformats.org/officeDocument/2006/customXml" ds:itemID="{D6DB4F2C-568C-4A23-A590-E1A9A2AB82B2}"/>
+<ds:datastoreItem xmlns:ds="http://schemas.openxmlformats.org/officeDocument/2006/customXml" ds:itemID="{403F4B77-0DF6-4EE2-BB1A-9FC09E1841C2}">
+  <ds:schemaRefs>
+    <ds:schemaRef ds:uri="http://schemas.microsoft.com/office/2006/metadata/contentType"/>
+    <ds:schemaRef ds:uri="http://schemas.microsoft.com/office/2006/metadata/properties/metaAttributes"/>
+    <ds:schemaRef ds:uri="http://www.w3.org/2001/XMLSchema"/>
+    <ds:schemaRef ds:uri="http://schemas.microsoft.com/office/2006/metadata/properties"/>
+    <ds:schemaRef ds:uri="a0e42997-3b56-464e-aa07-79b775dbbb3b"/>
+    <ds:schemaRef ds:uri="857ae3dd-055a-4d9a-9773-ae292adad8ba"/>
+    <ds:schemaRef ds:uri="http://schemas.microsoft.com/office/2006/documentManagement/types"/>
+    <ds:schemaRef ds:uri="http://schemas.microsoft.com/office/infopath/2007/PartnerControls"/>
+    <ds:schemaRef ds:uri="http://schemas.openxmlformats.org/package/2006/metadata/core-properties"/>
+    <ds:schemaRef ds:uri="http://purl.org/dc/elements/1.1/"/>
+    <ds:schemaRef ds:uri="http://purl.org/dc/terms/"/>
+    <ds:schemaRef ds:uri="http://schemas.microsoft.com/internal/obd"/>
+  </ds:schemaRefs>
+</ds:datastoreItem>
 </file>